--- a/Prezentacie/0. Uvodna lekcia.pptx
+++ b/Prezentacie/0. Uvodna lekcia.pptx
@@ -4190,9 +4190,17 @@
                   <a:srgbClr val="0070C0"/>
                 </a:solidFill>
               </a:rPr>
-              <a:t> Python</a:t>
-            </a:r>
-            <a:endParaRPr lang="sk-SK" dirty="0">
+              <a:t> </a:t>
+            </a:r>
+            <a:r>
+              <a:rPr lang="en-US" b="1" dirty="0">
+                <a:solidFill>
+                  <a:srgbClr val="0070C0"/>
+                </a:solidFill>
+              </a:rPr>
+              <a:t>Python</a:t>
+            </a:r>
+            <a:endParaRPr lang="sk-SK" b="1" dirty="0">
               <a:solidFill>
                 <a:srgbClr val="0070C0"/>
               </a:solidFill>
@@ -5660,7 +5668,17 @@
                   </a:schemeClr>
                 </a:solidFill>
               </a:rPr>
-              <a:t>Každá lekcia pozostáva z jedného súboru .ipynb</a:t>
+              <a:t>Každá lekcia pozostáva z jedného súboru </a:t>
+            </a:r>
+            <a:r>
+              <a:rPr lang="sk-SK" b="1" dirty="0">
+                <a:solidFill>
+                  <a:schemeClr val="accent4">
+                    <a:lumMod val="75000"/>
+                  </a:schemeClr>
+                </a:solidFill>
+              </a:rPr>
+              <a:t>.ipynb</a:t>
             </a:r>
           </a:p>
           <a:p>
@@ -5894,7 +5912,23 @@
                   <a:srgbClr val="0070C0"/>
                 </a:solidFill>
               </a:rPr>
-              <a:t>teoetických</a:t>
+              <a:t>teo</a:t>
+            </a:r>
+            <a:r>
+              <a:rPr lang="sk-SK" dirty="0">
+                <a:solidFill>
+                  <a:srgbClr val="0070C0"/>
+                </a:solidFill>
+              </a:rPr>
+              <a:t>r</a:t>
+            </a:r>
+            <a:r>
+              <a:rPr lang="en-US" dirty="0" err="1">
+                <a:solidFill>
+                  <a:srgbClr val="0070C0"/>
+                </a:solidFill>
+              </a:rPr>
+              <a:t>etických</a:t>
             </a:r>
             <a:r>
               <a:rPr lang="en-US" dirty="0">
@@ -6209,12 +6243,12 @@
               <a:t> </a:t>
             </a:r>
             <a:r>
-              <a:rPr lang="en-US" dirty="0" err="1">
-                <a:solidFill>
-                  <a:srgbClr val="0070C0"/>
-                </a:solidFill>
-              </a:rPr>
-              <a:t>stavané</a:t>
+              <a:rPr lang="sk-SK" dirty="0">
+                <a:solidFill>
+                  <a:srgbClr val="0070C0"/>
+                </a:solidFill>
+              </a:rPr>
+              <a:t>vytvorené</a:t>
             </a:r>
             <a:r>
               <a:rPr lang="en-US" dirty="0">
@@ -6875,7 +6909,7 @@
               <a:t> </a:t>
             </a:r>
             <a:r>
-              <a:rPr lang="en-US" dirty="0" err="1">
+              <a:rPr lang="en-US" b="1" dirty="0" err="1">
                 <a:solidFill>
                   <a:srgbClr val="0070C0"/>
                 </a:solidFill>
@@ -6883,7 +6917,7 @@
               <a:t>kľúčové</a:t>
             </a:r>
             <a:r>
-              <a:rPr lang="en-US" dirty="0">
+              <a:rPr lang="en-US" b="1" dirty="0">
                 <a:solidFill>
                   <a:srgbClr val="0070C0"/>
                 </a:solidFill>
@@ -6891,7 +6925,7 @@
               <a:t> </a:t>
             </a:r>
             <a:r>
-              <a:rPr lang="en-US" dirty="0" err="1">
+              <a:rPr lang="en-US" b="1" dirty="0" err="1">
                 <a:solidFill>
                   <a:srgbClr val="0070C0"/>
                 </a:solidFill>
@@ -6899,12 +6933,20 @@
               <a:t>pojmy</a:t>
             </a:r>
             <a:r>
-              <a:rPr lang="en-US" dirty="0">
-                <a:solidFill>
-                  <a:srgbClr val="0070C0"/>
-                </a:solidFill>
-              </a:rPr>
-              <a:t> z </a:t>
+              <a:rPr lang="en-US" b="1" dirty="0">
+                <a:solidFill>
+                  <a:srgbClr val="0070C0"/>
+                </a:solidFill>
+              </a:rPr>
+              <a:t> </a:t>
+            </a:r>
+            <a:r>
+              <a:rPr lang="en-US" dirty="0">
+                <a:solidFill>
+                  <a:srgbClr val="0070C0"/>
+                </a:solidFill>
+              </a:rPr>
+              <a:t>z </a:t>
             </a:r>
             <a:r>
               <a:rPr lang="en-US" dirty="0" err="1">
@@ -7671,7 +7713,27 @@
                   </a:schemeClr>
                 </a:solidFill>
               </a:rPr>
-              <a:t>Zelený box označuje úlohu, ktorú je potrebné splniť</a:t>
+              <a:t>Zelený box označuje </a:t>
+            </a:r>
+            <a:r>
+              <a:rPr lang="sk-SK" b="1" dirty="0">
+                <a:solidFill>
+                  <a:schemeClr val="accent6">
+                    <a:lumMod val="75000"/>
+                  </a:schemeClr>
+                </a:solidFill>
+              </a:rPr>
+              <a:t>úlohu</a:t>
+            </a:r>
+            <a:r>
+              <a:rPr lang="sk-SK" dirty="0">
+                <a:solidFill>
+                  <a:schemeClr val="accent6">
+                    <a:lumMod val="75000"/>
+                  </a:schemeClr>
+                </a:solidFill>
+              </a:rPr>
+              <a:t>, ktorú je potrebné splniť</a:t>
             </a:r>
           </a:p>
         </p:txBody>
@@ -7746,6 +7808,25 @@
           <a:lstStyle/>
           <a:p>
             <a:pPr algn="ctr"/>
+            <a:r>
+              <a:rPr lang="sk-SK" sz="5400" b="1" dirty="0">
+                <a:ln w="22225">
+                  <a:solidFill>
+                    <a:schemeClr val="accent4">
+                      <a:lumMod val="75000"/>
+                    </a:schemeClr>
+                  </a:solidFill>
+                  <a:prstDash val="solid"/>
+                </a:ln>
+                <a:solidFill>
+                  <a:schemeClr val="accent4">
+                    <a:lumMod val="60000"/>
+                    <a:lumOff val="40000"/>
+                  </a:schemeClr>
+                </a:solidFill>
+              </a:rPr>
+              <a:t>Ako vyzerá lekcia? </a:t>
+            </a:r>
             <a:endParaRPr lang="en-US" sz="5400" b="1" dirty="0">
               <a:ln w="22225">
                 <a:solidFill>
@@ -8073,7 +8154,27 @@
                   </a:schemeClr>
                 </a:solidFill>
               </a:rPr>
-              <a:t>Stlačením tlačidla Run (šípka pre play) tento program spustíte a pod oknom uvidíte jeho výstup. Inak povedané, uvidíte čo vykonal samotný program. Vždy, keď v lekcii narazíte na nejaký kód, spustite si ho, aby ste videli jeho správanie.</a:t>
+              <a:t>Stlačením tlačidla Run (šípka pre play) tento program spustíte a pod oknom uvidíte jeho </a:t>
+            </a:r>
+            <a:r>
+              <a:rPr lang="sk-SK" b="1" dirty="0">
+                <a:solidFill>
+                  <a:schemeClr val="accent4">
+                    <a:lumMod val="75000"/>
+                  </a:schemeClr>
+                </a:solidFill>
+              </a:rPr>
+              <a:t>výstup</a:t>
+            </a:r>
+            <a:r>
+              <a:rPr lang="sk-SK" dirty="0">
+                <a:solidFill>
+                  <a:schemeClr val="accent4">
+                    <a:lumMod val="75000"/>
+                  </a:schemeClr>
+                </a:solidFill>
+              </a:rPr>
+              <a:t>. Inak povedané, uvidíte čo vykonal samotný program. Vždy, keď v lekcii narazíte na nejaký kód, spustite si ho, aby ste videli jeho správanie.</a:t>
             </a:r>
             <a:endParaRPr lang="en-US" dirty="0">
               <a:solidFill>
@@ -9061,17 +9162,25 @@
                   <a:srgbClr val="0070C0"/>
                 </a:solidFill>
               </a:rPr>
-              <a:t>musí byť v úvodzovkác</a:t>
-            </a:r>
-            <a:r>
-              <a:rPr lang="en-US" dirty="0">
+              <a:t>musí byť v </a:t>
+            </a:r>
+            <a:r>
+              <a:rPr lang="sk-SK" b="1" dirty="0">
+                <a:solidFill>
+                  <a:srgbClr val="0070C0"/>
+                </a:solidFill>
+              </a:rPr>
+              <a:t>úvodzovkác</a:t>
+            </a:r>
+            <a:r>
+              <a:rPr lang="en-US" b="1" dirty="0">
                 <a:solidFill>
                   <a:srgbClr val="0070C0"/>
                 </a:solidFill>
               </a:rPr>
               <a:t>h</a:t>
             </a:r>
-            <a:endParaRPr lang="sk-SK" dirty="0">
+            <a:endParaRPr lang="sk-SK" b="1" dirty="0">
               <a:solidFill>
                 <a:srgbClr val="0070C0"/>
               </a:solidFill>
@@ -9417,7 +9526,7 @@
           <a:p>
             <a:pPr algn="just"/>
             <a:r>
-              <a:rPr lang="en-US" dirty="0">
+              <a:rPr lang="en-US" b="1" dirty="0">
                 <a:solidFill>
                   <a:srgbClr val="0070C0"/>
                 </a:solidFill>
@@ -9425,12 +9534,20 @@
               <a:t>k</a:t>
             </a:r>
             <a:r>
+              <a:rPr lang="sk-SK" b="1" dirty="0">
+                <a:solidFill>
+                  <a:srgbClr val="0070C0"/>
+                </a:solidFill>
+              </a:rPr>
+              <a:t>omentáre </a:t>
+            </a:r>
+            <a:r>
               <a:rPr lang="sk-SK" dirty="0">
                 <a:solidFill>
                   <a:srgbClr val="0070C0"/>
                 </a:solidFill>
               </a:rPr>
-              <a:t>omentáre sú časť programu, ktorá neslúži ako príkaz</a:t>
+              <a:t>sú časť programu, ktorá neslúži ako príkaz</a:t>
             </a:r>
           </a:p>
           <a:p>
